--- a/Developement/Presentation/Presentation.pptx
+++ b/Developement/Presentation/Presentation.pptx
@@ -2099,14 +2099,14 @@
           </a:ln>
           <a:extLst>
             <a:ext uri="{909E8E84-426E-40dd-AFC4-6F175D3DCCD1}">
-              <a14:hiddenFill xmlns:a14="http://schemas.microsoft.com/office/drawing/2010/main" xmlns="">
+              <a14:hiddenFill xmlns="" xmlns:a14="http://schemas.microsoft.com/office/drawing/2010/main">
                 <a:solidFill>
                   <a:srgbClr val="FFFFFF"/>
                 </a:solidFill>
               </a14:hiddenFill>
             </a:ext>
             <a:ext uri="{91240B29-F687-4f45-9708-019B960494DF}">
-              <a14:hiddenLine xmlns:a14="http://schemas.microsoft.com/office/drawing/2010/main" xmlns="" w="9525">
+              <a14:hiddenLine xmlns="" xmlns:a14="http://schemas.microsoft.com/office/drawing/2010/main" w="9525">
                 <a:solidFill>
                   <a:srgbClr val="000000"/>
                 </a:solidFill>
@@ -2184,14 +2184,14 @@
           </a:ln>
           <a:extLst>
             <a:ext uri="{909E8E84-426E-40dd-AFC4-6F175D3DCCD1}">
-              <a14:hiddenFill xmlns:a14="http://schemas.microsoft.com/office/drawing/2010/main" xmlns="">
+              <a14:hiddenFill xmlns="" xmlns:a14="http://schemas.microsoft.com/office/drawing/2010/main">
                 <a:solidFill>
                   <a:srgbClr val="FFFFFF"/>
                 </a:solidFill>
               </a14:hiddenFill>
             </a:ext>
             <a:ext uri="{91240B29-F687-4f45-9708-019B960494DF}">
-              <a14:hiddenLine xmlns:a14="http://schemas.microsoft.com/office/drawing/2010/main" xmlns="" w="9525">
+              <a14:hiddenLine xmlns="" xmlns:a14="http://schemas.microsoft.com/office/drawing/2010/main" w="9525">
                 <a:solidFill>
                   <a:srgbClr val="000000"/>
                 </a:solidFill>
@@ -2201,7 +2201,7 @@
               </a14:hiddenLine>
             </a:ext>
             <a:ext uri="{FAA26D3D-D897-4be2-8F04-BA451C77F1D7}">
-              <ma14:placeholderFlag xmlns:ma14="http://schemas.microsoft.com/office/mac/drawingml/2011/main" xmlns="" val="1"/>
+              <ma14:placeholderFlag xmlns="" xmlns:ma14="http://schemas.microsoft.com/office/mac/drawingml/2011/main" val="1"/>
             </a:ext>
           </a:extLst>
         </p:spPr>
@@ -2250,14 +2250,14 @@
           </a:ln>
           <a:extLst>
             <a:ext uri="{909E8E84-426E-40dd-AFC4-6F175D3DCCD1}">
-              <a14:hiddenFill xmlns:a14="http://schemas.microsoft.com/office/drawing/2010/main" xmlns="">
+              <a14:hiddenFill xmlns="" xmlns:a14="http://schemas.microsoft.com/office/drawing/2010/main">
                 <a:solidFill>
                   <a:srgbClr val="FFFFFF"/>
                 </a:solidFill>
               </a14:hiddenFill>
             </a:ext>
             <a:ext uri="{91240B29-F687-4f45-9708-019B960494DF}">
-              <a14:hiddenLine xmlns:a14="http://schemas.microsoft.com/office/drawing/2010/main" xmlns="" w="9525">
+              <a14:hiddenLine xmlns="" xmlns:a14="http://schemas.microsoft.com/office/drawing/2010/main" w="9525">
                 <a:solidFill>
                   <a:srgbClr val="000000"/>
                 </a:solidFill>
@@ -2267,7 +2267,7 @@
               </a14:hiddenLine>
             </a:ext>
             <a:ext uri="{FAA26D3D-D897-4be2-8F04-BA451C77F1D7}">
-              <ma14:placeholderFlag xmlns:ma14="http://schemas.microsoft.com/office/mac/drawingml/2011/main" xmlns="" val="1"/>
+              <ma14:placeholderFlag xmlns="" xmlns:ma14="http://schemas.microsoft.com/office/mac/drawingml/2011/main" val="1"/>
             </a:ext>
           </a:extLst>
         </p:spPr>
@@ -2762,14 +2762,14 @@
           <a:effectLst/>
           <a:extLst>
             <a:ext uri="{909E8E84-426E-40dd-AFC4-6F175D3DCCD1}">
-              <a14:hiddenFill xmlns:a14="http://schemas.microsoft.com/office/drawing/2010/main" xmlns="">
+              <a14:hiddenFill xmlns="" xmlns:a14="http://schemas.microsoft.com/office/drawing/2010/main">
                 <a:solidFill>
                   <a:schemeClr val="accent1"/>
                 </a:solidFill>
               </a14:hiddenFill>
             </a:ext>
             <a:ext uri="{91240B29-F687-4f45-9708-019B960494DF}">
-              <a14:hiddenLine xmlns:a14="http://schemas.microsoft.com/office/drawing/2010/main" xmlns="" w="9525">
+              <a14:hiddenLine xmlns="" xmlns:a14="http://schemas.microsoft.com/office/drawing/2010/main" w="9525">
                 <a:solidFill>
                   <a:srgbClr val="FF6600"/>
                 </a:solidFill>
@@ -2779,7 +2779,7 @@
               </a14:hiddenLine>
             </a:ext>
             <a:ext uri="{AF507438-7753-43e0-B8FC-AC1667EBCBE1}">
-              <a14:hiddenEffects xmlns:a14="http://schemas.microsoft.com/office/drawing/2010/main" xmlns="">
+              <a14:hiddenEffects xmlns="" xmlns:a14="http://schemas.microsoft.com/office/drawing/2010/main">
                 <a:effectLst>
                   <a:outerShdw blurRad="63500" dist="38099" dir="2700000" algn="ctr" rotWithShape="0">
                     <a:schemeClr val="bg2">
@@ -3358,14 +3358,14 @@
           </a:ln>
           <a:extLst>
             <a:ext uri="{909E8E84-426E-40dd-AFC4-6F175D3DCCD1}">
-              <a14:hiddenFill xmlns:a14="http://schemas.microsoft.com/office/drawing/2010/main" xmlns="">
+              <a14:hiddenFill xmlns="" xmlns:a14="http://schemas.microsoft.com/office/drawing/2010/main">
                 <a:solidFill>
                   <a:srgbClr val="FFFFFF"/>
                 </a:solidFill>
               </a14:hiddenFill>
             </a:ext>
             <a:ext uri="{91240B29-F687-4f45-9708-019B960494DF}">
-              <a14:hiddenLine xmlns:a14="http://schemas.microsoft.com/office/drawing/2010/main" xmlns="" w="9525">
+              <a14:hiddenLine xmlns="" xmlns:a14="http://schemas.microsoft.com/office/drawing/2010/main" w="9525">
                 <a:solidFill>
                   <a:srgbClr val="000000"/>
                 </a:solidFill>
@@ -3443,14 +3443,14 @@
           </a:ln>
           <a:extLst>
             <a:ext uri="{909E8E84-426E-40dd-AFC4-6F175D3DCCD1}">
-              <a14:hiddenFill xmlns:a14="http://schemas.microsoft.com/office/drawing/2010/main" xmlns="">
+              <a14:hiddenFill xmlns="" xmlns:a14="http://schemas.microsoft.com/office/drawing/2010/main">
                 <a:solidFill>
                   <a:srgbClr val="FFFFFF"/>
                 </a:solidFill>
               </a14:hiddenFill>
             </a:ext>
             <a:ext uri="{91240B29-F687-4f45-9708-019B960494DF}">
-              <a14:hiddenLine xmlns:a14="http://schemas.microsoft.com/office/drawing/2010/main" xmlns="" w="9525">
+              <a14:hiddenLine xmlns="" xmlns:a14="http://schemas.microsoft.com/office/drawing/2010/main" w="9525">
                 <a:solidFill>
                   <a:srgbClr val="000000"/>
                 </a:solidFill>
@@ -3460,7 +3460,7 @@
               </a14:hiddenLine>
             </a:ext>
             <a:ext uri="{FAA26D3D-D897-4be2-8F04-BA451C77F1D7}">
-              <ma14:placeholderFlag xmlns:ma14="http://schemas.microsoft.com/office/mac/drawingml/2011/main" xmlns="" val="1"/>
+              <ma14:placeholderFlag xmlns="" xmlns:ma14="http://schemas.microsoft.com/office/mac/drawingml/2011/main" val="1"/>
             </a:ext>
           </a:extLst>
         </p:spPr>
@@ -3509,14 +3509,14 @@
           </a:ln>
           <a:extLst>
             <a:ext uri="{909E8E84-426E-40dd-AFC4-6F175D3DCCD1}">
-              <a14:hiddenFill xmlns:a14="http://schemas.microsoft.com/office/drawing/2010/main" xmlns="">
+              <a14:hiddenFill xmlns="" xmlns:a14="http://schemas.microsoft.com/office/drawing/2010/main">
                 <a:solidFill>
                   <a:srgbClr val="FFFFFF"/>
                 </a:solidFill>
               </a14:hiddenFill>
             </a:ext>
             <a:ext uri="{91240B29-F687-4f45-9708-019B960494DF}">
-              <a14:hiddenLine xmlns:a14="http://schemas.microsoft.com/office/drawing/2010/main" xmlns="" w="9525">
+              <a14:hiddenLine xmlns="" xmlns:a14="http://schemas.microsoft.com/office/drawing/2010/main" w="9525">
                 <a:solidFill>
                   <a:srgbClr val="000000"/>
                 </a:solidFill>
@@ -3526,7 +3526,7 @@
               </a14:hiddenLine>
             </a:ext>
             <a:ext uri="{FAA26D3D-D897-4be2-8F04-BA451C77F1D7}">
-              <ma14:placeholderFlag xmlns:ma14="http://schemas.microsoft.com/office/mac/drawingml/2011/main" xmlns="" val="1"/>
+              <ma14:placeholderFlag xmlns="" xmlns:ma14="http://schemas.microsoft.com/office/mac/drawingml/2011/main" val="1"/>
             </a:ext>
           </a:extLst>
         </p:spPr>
@@ -4435,14 +4435,7 @@
             <a:endParaRPr lang="it-IT" sz="2400" dirty="0" smtClean="0"/>
           </a:p>
           <a:p>
-            <a:pPr marL="457200" indent="-457200">
-              <a:buFont typeface="Arial" panose="020B0604020202020204" pitchFamily="34" charset="0"/>
-              <a:buChar char="•"/>
-            </a:pPr>
-            <a:r>
-              <a:rPr lang="it-IT" sz="2400" dirty="0" smtClean="0"/>
-              <a:t>MVC</a:t>
-            </a:r>
+            <a:pPr marL="0" indent="0"/>
             <a:endParaRPr lang="it-IT" sz="2400" dirty="0"/>
           </a:p>
         </p:txBody>
@@ -8573,7 +8566,6 @@
               <a:rPr lang="it-IT" sz="1400" dirty="0"/>
               <a:t>.</a:t>
             </a:r>
-            <a:endParaRPr lang="it-IT" sz="1400" dirty="0"/>
           </a:p>
         </p:txBody>
       </p:sp>
@@ -9315,7 +9307,7 @@
             </a:r>
             <a:r>
               <a:rPr lang="it-IT" sz="2400" dirty="0" err="1" smtClean="0"/>
-              <a:t>operationg</a:t>
+              <a:t>operating</a:t>
             </a:r>
             <a:r>
               <a:rPr lang="it-IT" sz="2400" dirty="0" smtClean="0"/>
